--- a/mindflayer pres.pptx
+++ b/mindflayer pres.pptx
@@ -110,6 +110,11 @@
       </a:defRPr>
     </a:lvl9pPr>
   </p:defaultTextStyle>
+  <p:extLst>
+    <p:ext uri="{EFAFB233-063F-42B5-8137-9DF3F51BA10A}">
+      <p15:sldGuideLst xmlns:p15="http://schemas.microsoft.com/office/powerpoint/2012/main"/>
+    </p:ext>
+  </p:extLst>
 </p:presentation>
 </file>
 
@@ -260,7 +265,7 @@
           <a:p>
             <a:fld id="{ACE5E80F-85F1-4E69-B482-D2413696DF3A}" type="datetimeFigureOut">
               <a:rPr lang="en-US" smtClean="0"/>
-              <a:t>3/8/2019</a:t>
+              <a:t>3/9/2019</a:t>
             </a:fld>
             <a:endParaRPr lang="en-US"/>
           </a:p>
@@ -458,7 +463,7 @@
           <a:p>
             <a:fld id="{ACE5E80F-85F1-4E69-B482-D2413696DF3A}" type="datetimeFigureOut">
               <a:rPr lang="en-US" smtClean="0"/>
-              <a:t>3/8/2019</a:t>
+              <a:t>3/9/2019</a:t>
             </a:fld>
             <a:endParaRPr lang="en-US"/>
           </a:p>
@@ -666,7 +671,7 @@
           <a:p>
             <a:fld id="{ACE5E80F-85F1-4E69-B482-D2413696DF3A}" type="datetimeFigureOut">
               <a:rPr lang="en-US" smtClean="0"/>
-              <a:t>3/8/2019</a:t>
+              <a:t>3/9/2019</a:t>
             </a:fld>
             <a:endParaRPr lang="en-US"/>
           </a:p>
@@ -864,7 +869,7 @@
           <a:p>
             <a:fld id="{ACE5E80F-85F1-4E69-B482-D2413696DF3A}" type="datetimeFigureOut">
               <a:rPr lang="en-US" smtClean="0"/>
-              <a:t>3/8/2019</a:t>
+              <a:t>3/9/2019</a:t>
             </a:fld>
             <a:endParaRPr lang="en-US"/>
           </a:p>
@@ -1139,7 +1144,7 @@
           <a:p>
             <a:fld id="{ACE5E80F-85F1-4E69-B482-D2413696DF3A}" type="datetimeFigureOut">
               <a:rPr lang="en-US" smtClean="0"/>
-              <a:t>3/8/2019</a:t>
+              <a:t>3/9/2019</a:t>
             </a:fld>
             <a:endParaRPr lang="en-US"/>
           </a:p>
@@ -1404,7 +1409,7 @@
           <a:p>
             <a:fld id="{ACE5E80F-85F1-4E69-B482-D2413696DF3A}" type="datetimeFigureOut">
               <a:rPr lang="en-US" smtClean="0"/>
-              <a:t>3/8/2019</a:t>
+              <a:t>3/9/2019</a:t>
             </a:fld>
             <a:endParaRPr lang="en-US"/>
           </a:p>
@@ -1816,7 +1821,7 @@
           <a:p>
             <a:fld id="{ACE5E80F-85F1-4E69-B482-D2413696DF3A}" type="datetimeFigureOut">
               <a:rPr lang="en-US" smtClean="0"/>
-              <a:t>3/8/2019</a:t>
+              <a:t>3/9/2019</a:t>
             </a:fld>
             <a:endParaRPr lang="en-US"/>
           </a:p>
@@ -1957,7 +1962,7 @@
           <a:p>
             <a:fld id="{ACE5E80F-85F1-4E69-B482-D2413696DF3A}" type="datetimeFigureOut">
               <a:rPr lang="en-US" smtClean="0"/>
-              <a:t>3/8/2019</a:t>
+              <a:t>3/9/2019</a:t>
             </a:fld>
             <a:endParaRPr lang="en-US"/>
           </a:p>
@@ -2070,7 +2075,7 @@
           <a:p>
             <a:fld id="{ACE5E80F-85F1-4E69-B482-D2413696DF3A}" type="datetimeFigureOut">
               <a:rPr lang="en-US" smtClean="0"/>
-              <a:t>3/8/2019</a:t>
+              <a:t>3/9/2019</a:t>
             </a:fld>
             <a:endParaRPr lang="en-US"/>
           </a:p>
@@ -2381,7 +2386,7 @@
           <a:p>
             <a:fld id="{ACE5E80F-85F1-4E69-B482-D2413696DF3A}" type="datetimeFigureOut">
               <a:rPr lang="en-US" smtClean="0"/>
-              <a:t>3/8/2019</a:t>
+              <a:t>3/9/2019</a:t>
             </a:fld>
             <a:endParaRPr lang="en-US"/>
           </a:p>
@@ -2669,7 +2674,7 @@
           <a:p>
             <a:fld id="{ACE5E80F-85F1-4E69-B482-D2413696DF3A}" type="datetimeFigureOut">
               <a:rPr lang="en-US" smtClean="0"/>
-              <a:t>3/8/2019</a:t>
+              <a:t>3/9/2019</a:t>
             </a:fld>
             <a:endParaRPr lang="en-US"/>
           </a:p>
@@ -2932,7 +2937,7 @@
           <a:p>
             <a:fld id="{ACE5E80F-85F1-4E69-B482-D2413696DF3A}" type="datetimeFigureOut">
               <a:rPr lang="en-US" smtClean="0"/>
-              <a:t>3/8/2019</a:t>
+              <a:t>3/9/2019</a:t>
             </a:fld>
             <a:endParaRPr lang="en-US"/>
           </a:p>
@@ -4169,19 +4174,18 @@
           <a:p>
             <a:r>
               <a:rPr lang="en-US" dirty="0"/>
-              <a:t>Make Consumer Producer Libraries APIs</a:t>
-            </a:r>
+              <a:t>Make Consumer Producer </a:t>
+            </a:r>
+            <a:r>
+              <a:rPr lang="en-US"/>
+              <a:t>Libraries API</a:t>
+            </a:r>
+            <a:endParaRPr lang="en-US" dirty="0"/>
           </a:p>
           <a:p>
             <a:r>
               <a:rPr lang="en-US" dirty="0"/>
               <a:t>Master API</a:t>
-            </a:r>
-          </a:p>
-          <a:p>
-            <a:r>
-              <a:rPr lang="en-US" dirty="0"/>
-              <a:t>Topics</a:t>
             </a:r>
           </a:p>
           <a:p>
